--- a/Lesson3_Variable/C语言从零开始_第三讲_变量.pptx
+++ b/Lesson3_Variable/C语言从零开始_第三讲_变量.pptx
@@ -258,7 +258,7 @@
           <a:p>
             <a:fld id="{E057C6AF-D7C3-4C00-981B-A40E9FB3BD37}" type="datetimeFigureOut">
               <a:rPr lang="zh-CN" altLang="en-US" smtClean="0"/>
-              <a:t>2017/1/21</a:t>
+              <a:t>2017/1/22</a:t>
             </a:fld>
             <a:endParaRPr lang="zh-CN" altLang="en-US"/>
           </a:p>
@@ -423,7 +423,7 @@
           <a:p>
             <a:fld id="{651D6549-FEAA-4A3A-BB73-0088AEB1C446}" type="datetimeFigureOut">
               <a:rPr lang="zh-CN" altLang="en-US" smtClean="0"/>
-              <a:t>2017/1/21</a:t>
+              <a:t>2017/1/22</a:t>
             </a:fld>
             <a:endParaRPr lang="zh-CN" altLang="en-US"/>
           </a:p>
@@ -911,7 +911,7 @@
             <a:fld id="{687CD20E-242F-44E0-9F1B-AB1D4F9EB94C}" type="datetime1">
               <a:rPr lang="zh-CN" altLang="en-US" smtClean="0"/>
               <a:pPr/>
-              <a:t>2017/1/21</a:t>
+              <a:t>2017/1/22</a:t>
             </a:fld>
             <a:endParaRPr lang="zh-CN" altLang="zh-CN" dirty="0"/>
           </a:p>
@@ -1101,7 +1101,7 @@
           <a:p>
             <a:fld id="{2FC3D58D-73A9-4A92-BE79-3C1E5AFE7A60}" type="datetime1">
               <a:rPr lang="zh-CN" altLang="en-US" smtClean="0"/>
-              <a:t>2017/1/21</a:t>
+              <a:t>2017/1/22</a:t>
             </a:fld>
             <a:endParaRPr lang="zh-CN" altLang="zh-CN"/>
           </a:p>
@@ -1301,7 +1301,7 @@
           <a:p>
             <a:fld id="{B32FF8DD-19DE-4EBD-8607-C46E70DAFF98}" type="datetime1">
               <a:rPr lang="zh-CN" altLang="en-US" smtClean="0"/>
-              <a:t>2017/1/21</a:t>
+              <a:t>2017/1/22</a:t>
             </a:fld>
             <a:endParaRPr lang="zh-CN" altLang="zh-CN"/>
           </a:p>
@@ -1507,7 +1507,7 @@
           <a:p>
             <a:fld id="{B13507F3-2E52-4A0E-B513-AE67BAF97B42}" type="datetime1">
               <a:rPr lang="zh-CN" altLang="en-US" smtClean="0"/>
-              <a:t>2017/1/21</a:t>
+              <a:t>2017/1/22</a:t>
             </a:fld>
             <a:endParaRPr lang="zh-CN" altLang="zh-CN"/>
           </a:p>
@@ -1719,7 +1719,7 @@
           <a:p>
             <a:fld id="{59594878-6599-4272-9EFD-82A503AFE9EA}" type="datetime1">
               <a:rPr lang="zh-CN" altLang="en-US" smtClean="0"/>
-              <a:t>2017/1/21</a:t>
+              <a:t>2017/1/22</a:t>
             </a:fld>
             <a:endParaRPr lang="zh-CN" altLang="zh-CN"/>
           </a:p>
@@ -1971,7 +1971,7 @@
           <a:p>
             <a:fld id="{A221DC34-5309-4A88-B135-0820EE50E2C9}" type="datetime1">
               <a:rPr lang="zh-CN" altLang="en-US" smtClean="0"/>
-              <a:t>2017/1/21</a:t>
+              <a:t>2017/1/22</a:t>
             </a:fld>
             <a:endParaRPr lang="zh-CN" altLang="zh-CN"/>
           </a:p>
@@ -2358,7 +2358,7 @@
           <a:p>
             <a:fld id="{CFD09B60-8CEE-49E4-B9C7-EF649FFF4A9B}" type="datetime1">
               <a:rPr lang="zh-CN" altLang="en-US" smtClean="0"/>
-              <a:t>2017/1/21</a:t>
+              <a:t>2017/1/22</a:t>
             </a:fld>
             <a:endParaRPr lang="zh-CN" altLang="zh-CN"/>
           </a:p>
@@ -2496,7 +2496,7 @@
           <a:p>
             <a:fld id="{4AA8F851-E17E-496A-AC8E-D6B2F33A8FAC}" type="datetime1">
               <a:rPr lang="zh-CN" altLang="en-US" smtClean="0"/>
-              <a:t>2017/1/21</a:t>
+              <a:t>2017/1/22</a:t>
             </a:fld>
             <a:endParaRPr lang="zh-CN" altLang="zh-CN"/>
           </a:p>
@@ -2611,7 +2611,7 @@
           <a:p>
             <a:fld id="{135793C7-880A-4E11-8D62-422A761B21C9}" type="datetime1">
               <a:rPr lang="zh-CN" altLang="en-US" smtClean="0"/>
-              <a:t>2017/1/21</a:t>
+              <a:t>2017/1/22</a:t>
             </a:fld>
             <a:endParaRPr lang="zh-CN" altLang="zh-CN"/>
           </a:p>
@@ -2901,7 +2901,7 @@
           <a:p>
             <a:fld id="{9FCFBB9F-FD7F-46C4-A0E1-A0AD04A1BC6A}" type="datetime1">
               <a:rPr lang="zh-CN" altLang="en-US" smtClean="0"/>
-              <a:t>2017/1/21</a:t>
+              <a:t>2017/1/22</a:t>
             </a:fld>
             <a:endParaRPr lang="zh-CN" altLang="zh-CN"/>
           </a:p>
@@ -3178,7 +3178,7 @@
           <a:p>
             <a:fld id="{0373B480-0183-4F9B-8D4E-B01EE656294A}" type="datetime1">
               <a:rPr lang="zh-CN" altLang="en-US" smtClean="0"/>
-              <a:t>2017/1/21</a:t>
+              <a:t>2017/1/22</a:t>
             </a:fld>
             <a:endParaRPr lang="zh-CN" altLang="zh-CN"/>
           </a:p>
@@ -3394,7 +3394,7 @@
             <a:fld id="{63B09E56-5A87-43B7-8623-7CA0CB7872D0}" type="datetime1">
               <a:rPr lang="zh-CN" altLang="en-US" smtClean="0"/>
               <a:pPr/>
-              <a:t>2017/1/21</a:t>
+              <a:t>2017/1/22</a:t>
             </a:fld>
             <a:endParaRPr lang="zh-CN" altLang="zh-CN"/>
           </a:p>
@@ -3735,20 +3735,7 @@
                 <a:latin typeface="+mj-lt"/>
                 <a:ea typeface="+mj-ea"/>
               </a:rPr>
-              <a:t>语言从零开始 </a:t>
-            </a:r>
-            <a:r>
-              <a:rPr lang="zh-CN" altLang="en-US" dirty="0" smtClean="0">
-                <a:ln>
-                  <a:noFill/>
-                </a:ln>
-                <a:solidFill>
-                  <a:schemeClr val="bg1"/>
-                </a:solidFill>
-                <a:latin typeface="+mj-lt"/>
-                <a:ea typeface="+mj-ea"/>
-              </a:rPr>
-              <a:t>第三讲</a:t>
+              <a:t>语言从零开始 第三讲</a:t>
             </a:r>
             <a:endParaRPr lang="zh-CN" altLang="en-US" dirty="0">
               <a:ln>
@@ -3799,16 +3786,6 @@
               </a:rPr>
               <a:t>变量入门</a:t>
             </a:r>
-            <a:endParaRPr lang="zh-CN" altLang="en-US" dirty="0" smtClean="0">
-              <a:ln>
-                <a:noFill/>
-              </a:ln>
-              <a:solidFill>
-                <a:schemeClr val="bg1"/>
-              </a:solidFill>
-              <a:latin typeface="+mj-lt"/>
-              <a:ea typeface="+mj-ea"/>
-            </a:endParaRPr>
           </a:p>
         </p:txBody>
       </p:sp>
@@ -4320,11 +4297,7 @@
             </a:r>
             <a:r>
               <a:rPr lang="zh-CN" altLang="en-US" sz="4400" dirty="0" smtClean="0"/>
-              <a:t>语言从零开始 </a:t>
-            </a:r>
-            <a:r>
-              <a:rPr lang="zh-CN" altLang="en-US" sz="4400" dirty="0" smtClean="0"/>
-              <a:t>第三讲</a:t>
+              <a:t>语言从零开始 第三讲</a:t>
             </a:r>
             <a:endParaRPr lang="zh-CN" altLang="zh-CN" sz="4400" dirty="0"/>
           </a:p>
@@ -4623,7 +4596,7 @@
           <a:p>
             <a:fld id="{E10D6361-B8F0-482A-95B7-D825F938BD73}" type="datetime1">
               <a:rPr lang="zh-CN" altLang="en-US" smtClean="0"/>
-              <a:t>2017/1/21</a:t>
+              <a:t>2017/1/22</a:t>
             </a:fld>
             <a:endParaRPr lang="zh-CN" altLang="zh-CN" dirty="0"/>
           </a:p>
@@ -4764,17 +4737,7 @@
                 <a:latin typeface="+mj-lt"/>
                 <a:ea typeface="+mj-ea"/>
               </a:rPr>
-              <a:t>   </a:t>
-            </a:r>
-            <a:r>
-              <a:rPr lang="zh-CN" altLang="en-US" sz="2400" dirty="0" smtClean="0">
-                <a:solidFill>
-                  <a:srgbClr val="0070C0"/>
-                </a:solidFill>
-                <a:latin typeface="+mj-lt"/>
-                <a:ea typeface="+mj-ea"/>
-              </a:rPr>
-              <a:t>优</a:t>
+              <a:t>   优</a:t>
             </a:r>
             <a:r>
               <a:rPr lang="zh-CN" altLang="en-US" sz="2400" dirty="0">
@@ -5415,7 +5378,7 @@
           <a:p>
             <a:fld id="{B13507F3-2E52-4A0E-B513-AE67BAF97B42}" type="datetime1">
               <a:rPr lang="zh-CN" altLang="en-US" smtClean="0"/>
-              <a:t>2017/1/21</a:t>
+              <a:t>2017/1/22</a:t>
             </a:fld>
             <a:endParaRPr lang="zh-CN" altLang="zh-CN"/>
           </a:p>
@@ -5598,10 +5561,6 @@
               </a:rPr>
               <a:t>变量名</a:t>
             </a:r>
-            <a:endParaRPr lang="zh-CN" altLang="en-US" dirty="0" smtClean="0">
-              <a:latin typeface="+mj-lt"/>
-              <a:ea typeface="+mj-ea"/>
-            </a:endParaRPr>
           </a:p>
         </p:txBody>
       </p:sp>
@@ -5674,10 +5633,6 @@
               </a:rPr>
               <a:t>初值</a:t>
             </a:r>
-            <a:endParaRPr lang="zh-CN" altLang="en-US" dirty="0" smtClean="0">
-              <a:latin typeface="+mj-lt"/>
-              <a:ea typeface="+mj-ea"/>
-            </a:endParaRPr>
           </a:p>
         </p:txBody>
       </p:sp>
@@ -6817,7 +6772,7 @@
           <a:p>
             <a:fld id="{B13507F3-2E52-4A0E-B513-AE67BAF97B42}" type="datetime1">
               <a:rPr lang="zh-CN" altLang="en-US" smtClean="0"/>
-              <a:t>2017/1/21</a:t>
+              <a:t>2017/1/22</a:t>
             </a:fld>
             <a:endParaRPr lang="zh-CN" altLang="zh-CN"/>
           </a:p>
@@ -7126,10 +7081,6 @@
               </a:rPr>
               <a:t>值</a:t>
             </a:r>
-            <a:endParaRPr lang="zh-CN" altLang="en-US" dirty="0" smtClean="0">
-              <a:latin typeface="+mj-lt"/>
-              <a:ea typeface="+mj-ea"/>
-            </a:endParaRPr>
           </a:p>
         </p:txBody>
       </p:sp>
@@ -7859,7 +7810,7 @@
           <a:p>
             <a:fld id="{B13507F3-2E52-4A0E-B513-AE67BAF97B42}" type="datetime1">
               <a:rPr lang="zh-CN" altLang="en-US" smtClean="0"/>
-              <a:t>2017/1/21</a:t>
+              <a:t>2017/1/22</a:t>
             </a:fld>
             <a:endParaRPr lang="zh-CN" altLang="zh-CN"/>
           </a:p>
@@ -8002,10 +7953,6 @@
               </a:rPr>
               <a:t>};</a:t>
             </a:r>
-            <a:endParaRPr lang="zh-CN" altLang="en-US" dirty="0">
-              <a:latin typeface="Consolas" panose="020B0609020204030204" pitchFamily="49" charset="0"/>
-              <a:cs typeface="Consolas" panose="020B0609020204030204" pitchFamily="49" charset="0"/>
-            </a:endParaRPr>
           </a:p>
         </p:txBody>
       </p:sp>
@@ -8266,10 +8213,6 @@
               </a:rPr>
               <a:t>};</a:t>
             </a:r>
-            <a:endParaRPr lang="zh-CN" altLang="en-US" dirty="0">
-              <a:latin typeface="Consolas" panose="020B0609020204030204" pitchFamily="49" charset="0"/>
-              <a:cs typeface="Consolas" panose="020B0609020204030204" pitchFamily="49" charset="0"/>
-            </a:endParaRPr>
           </a:p>
         </p:txBody>
       </p:sp>
@@ -8432,13 +8375,6 @@
               </a:rPr>
               <a:t>重定义</a:t>
             </a:r>
-            <a:endParaRPr lang="zh-CN" altLang="en-US" sz="2400" dirty="0" smtClean="0">
-              <a:solidFill>
-                <a:srgbClr val="FF0000"/>
-              </a:solidFill>
-              <a:latin typeface="+mj-lt"/>
-              <a:ea typeface="+mj-ea"/>
-            </a:endParaRPr>
           </a:p>
         </p:txBody>
       </p:sp>
@@ -9669,7 +9605,7 @@
           <a:p>
             <a:fld id="{B13507F3-2E52-4A0E-B513-AE67BAF97B42}" type="datetime1">
               <a:rPr lang="zh-CN" altLang="en-US" smtClean="0"/>
-              <a:t>2017/1/21</a:t>
+              <a:t>2017/1/22</a:t>
             </a:fld>
             <a:endParaRPr lang="zh-CN" altLang="zh-CN"/>
           </a:p>
@@ -9734,11 +9670,15 @@
             </a:r>
             <a:r>
               <a:rPr lang="en-US" altLang="zh-CN" dirty="0" smtClean="0"/>
-              <a:t>125.5</a:t>
+              <a:t>125</a:t>
             </a:r>
             <a:r>
               <a:rPr lang="zh-CN" altLang="en-US" dirty="0" smtClean="0"/>
-              <a:t>转化为单精度浮点数为例：</a:t>
+              <a:t>转化</a:t>
+            </a:r>
+            <a:r>
+              <a:rPr lang="zh-CN" altLang="en-US" dirty="0" smtClean="0"/>
+              <a:t>为单精度浮点数为例：</a:t>
             </a:r>
             <a:endParaRPr lang="en-US" altLang="zh-CN" dirty="0" smtClean="0"/>
           </a:p>
@@ -9755,18 +9695,18 @@
               <a:t>125</a:t>
             </a:r>
             <a:r>
-              <a:rPr lang="en-US" altLang="zh-CN" dirty="0" smtClean="0">
-                <a:latin typeface="+mj-lt"/>
-                <a:ea typeface="+mj-ea"/>
-              </a:rPr>
-              <a:t>.5</a:t>
-            </a:r>
-            <a:r>
               <a:rPr lang="zh-CN" altLang="en-US" dirty="0" smtClean="0">
                 <a:latin typeface="+mj-lt"/>
                 <a:ea typeface="+mj-ea"/>
               </a:rPr>
-              <a:t>转二进制科学计数法</a:t>
+              <a:t>转</a:t>
+            </a:r>
+            <a:r>
+              <a:rPr lang="zh-CN" altLang="en-US" dirty="0" smtClean="0">
+                <a:latin typeface="+mj-lt"/>
+                <a:ea typeface="+mj-ea"/>
+              </a:rPr>
+              <a:t>二进制科学计数法</a:t>
             </a:r>
             <a:r>
               <a:rPr lang="en-US" altLang="zh-CN" dirty="0" smtClean="0"/>
@@ -11022,11 +10962,41 @@
           <a:p>
             <a:r>
               <a:rPr lang="zh-CN" altLang="en-US" dirty="0" smtClean="0"/>
-              <a:t>写一个程序</a:t>
+              <a:t>写一个</a:t>
+            </a:r>
+            <a:r>
+              <a:rPr lang="zh-CN" altLang="en-US" dirty="0" smtClean="0"/>
+              <a:t>程序</a:t>
+            </a:r>
+            <a:endParaRPr lang="en-US" altLang="zh-CN" dirty="0"/>
+          </a:p>
+          <a:p>
+            <a:pPr lvl="1"/>
+            <a:r>
+              <a:rPr lang="zh-CN" altLang="en-US" dirty="0" smtClean="0"/>
+              <a:t>铺垫：位运算</a:t>
             </a:r>
             <a:r>
               <a:rPr lang="en-US" altLang="zh-CN" dirty="0" smtClean="0"/>
-              <a:t>…</a:t>
+              <a:t>&amp;</a:t>
+            </a:r>
+          </a:p>
+          <a:p>
+            <a:pPr lvl="1"/>
+            <a:r>
+              <a:rPr lang="en-US" altLang="zh-CN" dirty="0" smtClean="0"/>
+              <a:t>11011010 &amp; 01010101 = 01010000</a:t>
+            </a:r>
+          </a:p>
+          <a:p>
+            <a:pPr lvl="1"/>
+            <a:r>
+              <a:rPr lang="en-US" altLang="zh-CN" dirty="0" smtClean="0"/>
+              <a:t>char a; a&amp;1</a:t>
+            </a:r>
+            <a:r>
+              <a:rPr lang="zh-CN" altLang="en-US" dirty="0" smtClean="0"/>
+              <a:t>即显示最后一位</a:t>
             </a:r>
             <a:endParaRPr lang="zh-CN" altLang="en-US" dirty="0"/>
           </a:p>
@@ -11049,7 +11019,7 @@
           <a:p>
             <a:fld id="{B13507F3-2E52-4A0E-B513-AE67BAF97B42}" type="datetime1">
               <a:rPr lang="zh-CN" altLang="en-US" smtClean="0"/>
-              <a:t>2017/1/21</a:t>
+              <a:t>2017/1/22</a:t>
             </a:fld>
             <a:endParaRPr lang="zh-CN" altLang="zh-CN"/>
           </a:p>
@@ -11245,7 +11215,7 @@
           <a:p>
             <a:fld id="{B13507F3-2E52-4A0E-B513-AE67BAF97B42}" type="datetime1">
               <a:rPr lang="zh-CN" altLang="en-US" smtClean="0"/>
-              <a:t>2017/1/21</a:t>
+              <a:t>2017/1/22</a:t>
             </a:fld>
             <a:endParaRPr lang="zh-CN" altLang="zh-CN"/>
           </a:p>
@@ -11515,7 +11485,7 @@
           <a:p>
             <a:fld id="{B13507F3-2E52-4A0E-B513-AE67BAF97B42}" type="datetime1">
               <a:rPr lang="zh-CN" altLang="en-US" smtClean="0"/>
-              <a:t>2017/1/21</a:t>
+              <a:t>2017/1/22</a:t>
             </a:fld>
             <a:endParaRPr lang="zh-CN" altLang="zh-CN"/>
           </a:p>
@@ -12508,7 +12478,7 @@
           <a:p>
             <a:fld id="{B13507F3-2E52-4A0E-B513-AE67BAF97B42}" type="datetime1">
               <a:rPr lang="zh-CN" altLang="en-US" smtClean="0"/>
-              <a:t>2017/1/21</a:t>
+              <a:t>2017/1/22</a:t>
             </a:fld>
             <a:endParaRPr lang="zh-CN" altLang="zh-CN"/>
           </a:p>
@@ -13315,13 +13285,6 @@
               </a:rPr>
               <a:t>如何表示负数？？</a:t>
             </a:r>
-            <a:endParaRPr lang="zh-CN" altLang="en-US" sz="2800" dirty="0" smtClean="0">
-              <a:solidFill>
-                <a:srgbClr val="FF0000"/>
-              </a:solidFill>
-              <a:latin typeface="+mj-lt"/>
-              <a:ea typeface="+mj-ea"/>
-            </a:endParaRPr>
           </a:p>
         </p:txBody>
       </p:sp>
@@ -14728,7 +14691,7 @@
           <a:p>
             <a:fld id="{B13507F3-2E52-4A0E-B513-AE67BAF97B42}" type="datetime1">
               <a:rPr lang="zh-CN" altLang="en-US" smtClean="0"/>
-              <a:t>2017/1/21</a:t>
+              <a:t>2017/1/22</a:t>
             </a:fld>
             <a:endParaRPr lang="zh-CN" altLang="zh-CN"/>
           </a:p>
@@ -16076,7 +16039,7 @@
           <a:p>
             <a:fld id="{B13507F3-2E52-4A0E-B513-AE67BAF97B42}" type="datetime1">
               <a:rPr lang="zh-CN" altLang="en-US" smtClean="0"/>
-              <a:t>2017/1/21</a:t>
+              <a:t>2017/1/22</a:t>
             </a:fld>
             <a:endParaRPr lang="zh-CN" altLang="zh-CN"/>
           </a:p>
@@ -16745,10 +16708,6 @@
               </a:rPr>
               <a:t>（见补充内容）</a:t>
             </a:r>
-            <a:endParaRPr lang="zh-CN" altLang="en-US" dirty="0" smtClean="0">
-              <a:latin typeface="+mj-lt"/>
-              <a:ea typeface="+mj-ea"/>
-            </a:endParaRPr>
           </a:p>
         </p:txBody>
       </p:sp>
@@ -16804,13 +16763,6 @@
               </a:rPr>
               <a:t>布尔类型</a:t>
             </a:r>
-            <a:endParaRPr lang="zh-CN" altLang="en-US" sz="2000" b="1" dirty="0" smtClean="0">
-              <a:solidFill>
-                <a:srgbClr val="FF0000"/>
-              </a:solidFill>
-              <a:latin typeface="+mj-lt"/>
-              <a:ea typeface="+mj-ea"/>
-            </a:endParaRPr>
           </a:p>
         </p:txBody>
       </p:sp>
@@ -17637,7 +17589,7 @@
           <a:p>
             <a:fld id="{B13507F3-2E52-4A0E-B513-AE67BAF97B42}" type="datetime1">
               <a:rPr lang="zh-CN" altLang="en-US" smtClean="0"/>
-              <a:t>2017/1/21</a:t>
+              <a:t>2017/1/22</a:t>
             </a:fld>
             <a:endParaRPr lang="zh-CN" altLang="zh-CN"/>
           </a:p>
@@ -17824,7 +17776,7 @@
           <a:p>
             <a:fld id="{B13507F3-2E52-4A0E-B513-AE67BAF97B42}" type="datetime1">
               <a:rPr lang="zh-CN" altLang="en-US" smtClean="0"/>
-              <a:t>2017/1/21</a:t>
+              <a:t>2017/1/22</a:t>
             </a:fld>
             <a:endParaRPr lang="zh-CN" altLang="zh-CN"/>
           </a:p>
@@ -18297,7 +18249,7 @@
           <a:p>
             <a:fld id="{B13507F3-2E52-4A0E-B513-AE67BAF97B42}" type="datetime1">
               <a:rPr lang="zh-CN" altLang="en-US" smtClean="0"/>
-              <a:t>2017/1/21</a:t>
+              <a:t>2017/1/22</a:t>
             </a:fld>
             <a:endParaRPr lang="zh-CN" altLang="zh-CN"/>
           </a:p>
@@ -18541,10 +18493,6 @@
               </a:rPr>
               <a:t>("not equal\n");</a:t>
             </a:r>
-            <a:endParaRPr lang="en-US" altLang="zh-CN" dirty="0">
-              <a:latin typeface="Consolas" panose="020B0609020204030204" pitchFamily="49" charset="0"/>
-              <a:cs typeface="Consolas" panose="020B0609020204030204" pitchFamily="49" charset="0"/>
-            </a:endParaRPr>
           </a:p>
         </p:txBody>
       </p:sp>
@@ -19777,7 +19725,7 @@
               <a:rPr lang="zh-CN" altLang="en-US" smtClean="0">
                 <a:cs typeface="Consolas" panose="020B0609020204030204" pitchFamily="49" charset="0"/>
               </a:rPr>
-              <a:t>2017/1/21</a:t>
+              <a:t>2017/1/22</a:t>
             </a:fld>
             <a:endParaRPr lang="zh-CN" altLang="zh-CN" dirty="0">
               <a:cs typeface="Consolas" panose="020B0609020204030204" pitchFamily="49" charset="0"/>
@@ -20001,10 +19949,6 @@
                         </a:rPr>
                         <a:t>);</a:t>
                       </a:r>
-                      <a:endParaRPr lang="en-US" altLang="zh-CN" dirty="0" smtClean="0">
-                        <a:latin typeface="Consolas" panose="020B0609020204030204" pitchFamily="49" charset="0"/>
-                        <a:cs typeface="Consolas" panose="020B0609020204030204" pitchFamily="49" charset="0"/>
-                      </a:endParaRPr>
                     </a:p>
                   </a:txBody>
                   <a:tcPr/>
@@ -20042,10 +19986,6 @@
                         </a:rPr>
                         <a:t>);</a:t>
                       </a:r>
-                      <a:endParaRPr lang="en-US" altLang="zh-CN" dirty="0" smtClean="0">
-                        <a:latin typeface="Consolas" panose="020B0609020204030204" pitchFamily="49" charset="0"/>
-                        <a:cs typeface="Consolas" panose="020B0609020204030204" pitchFamily="49" charset="0"/>
-                      </a:endParaRPr>
                     </a:p>
                   </a:txBody>
                   <a:tcPr/>

--- a/Lesson3_Variable/C语言从零开始_第三讲_变量.pptx
+++ b/Lesson3_Variable/C语言从零开始_第三讲_变量.pptx
@@ -258,7 +258,7 @@
           <a:p>
             <a:fld id="{E057C6AF-D7C3-4C00-981B-A40E9FB3BD37}" type="datetimeFigureOut">
               <a:rPr lang="zh-CN" altLang="en-US" smtClean="0"/>
-              <a:t>2017/1/22</a:t>
+              <a:t>2018/12/20</a:t>
             </a:fld>
             <a:endParaRPr lang="zh-CN" altLang="en-US"/>
           </a:p>
@@ -423,7 +423,7 @@
           <a:p>
             <a:fld id="{651D6549-FEAA-4A3A-BB73-0088AEB1C446}" type="datetimeFigureOut">
               <a:rPr lang="zh-CN" altLang="en-US" smtClean="0"/>
-              <a:t>2017/1/22</a:t>
+              <a:t>2018/12/20</a:t>
             </a:fld>
             <a:endParaRPr lang="zh-CN" altLang="en-US"/>
           </a:p>
@@ -911,7 +911,7 @@
             <a:fld id="{687CD20E-242F-44E0-9F1B-AB1D4F9EB94C}" type="datetime1">
               <a:rPr lang="zh-CN" altLang="en-US" smtClean="0"/>
               <a:pPr/>
-              <a:t>2017/1/22</a:t>
+              <a:t>2018/12/20</a:t>
             </a:fld>
             <a:endParaRPr lang="zh-CN" altLang="zh-CN" dirty="0"/>
           </a:p>
@@ -1101,7 +1101,7 @@
           <a:p>
             <a:fld id="{2FC3D58D-73A9-4A92-BE79-3C1E5AFE7A60}" type="datetime1">
               <a:rPr lang="zh-CN" altLang="en-US" smtClean="0"/>
-              <a:t>2017/1/22</a:t>
+              <a:t>2018/12/20</a:t>
             </a:fld>
             <a:endParaRPr lang="zh-CN" altLang="zh-CN"/>
           </a:p>
@@ -1301,7 +1301,7 @@
           <a:p>
             <a:fld id="{B32FF8DD-19DE-4EBD-8607-C46E70DAFF98}" type="datetime1">
               <a:rPr lang="zh-CN" altLang="en-US" smtClean="0"/>
-              <a:t>2017/1/22</a:t>
+              <a:t>2018/12/20</a:t>
             </a:fld>
             <a:endParaRPr lang="zh-CN" altLang="zh-CN"/>
           </a:p>
@@ -1507,7 +1507,7 @@
           <a:p>
             <a:fld id="{B13507F3-2E52-4A0E-B513-AE67BAF97B42}" type="datetime1">
               <a:rPr lang="zh-CN" altLang="en-US" smtClean="0"/>
-              <a:t>2017/1/22</a:t>
+              <a:t>2018/12/20</a:t>
             </a:fld>
             <a:endParaRPr lang="zh-CN" altLang="zh-CN"/>
           </a:p>
@@ -1719,7 +1719,7 @@
           <a:p>
             <a:fld id="{59594878-6599-4272-9EFD-82A503AFE9EA}" type="datetime1">
               <a:rPr lang="zh-CN" altLang="en-US" smtClean="0"/>
-              <a:t>2017/1/22</a:t>
+              <a:t>2018/12/20</a:t>
             </a:fld>
             <a:endParaRPr lang="zh-CN" altLang="zh-CN"/>
           </a:p>
@@ -1971,7 +1971,7 @@
           <a:p>
             <a:fld id="{A221DC34-5309-4A88-B135-0820EE50E2C9}" type="datetime1">
               <a:rPr lang="zh-CN" altLang="en-US" smtClean="0"/>
-              <a:t>2017/1/22</a:t>
+              <a:t>2018/12/20</a:t>
             </a:fld>
             <a:endParaRPr lang="zh-CN" altLang="zh-CN"/>
           </a:p>
@@ -2358,7 +2358,7 @@
           <a:p>
             <a:fld id="{CFD09B60-8CEE-49E4-B9C7-EF649FFF4A9B}" type="datetime1">
               <a:rPr lang="zh-CN" altLang="en-US" smtClean="0"/>
-              <a:t>2017/1/22</a:t>
+              <a:t>2018/12/20</a:t>
             </a:fld>
             <a:endParaRPr lang="zh-CN" altLang="zh-CN"/>
           </a:p>
@@ -2496,7 +2496,7 @@
           <a:p>
             <a:fld id="{4AA8F851-E17E-496A-AC8E-D6B2F33A8FAC}" type="datetime1">
               <a:rPr lang="zh-CN" altLang="en-US" smtClean="0"/>
-              <a:t>2017/1/22</a:t>
+              <a:t>2018/12/20</a:t>
             </a:fld>
             <a:endParaRPr lang="zh-CN" altLang="zh-CN"/>
           </a:p>
@@ -2611,7 +2611,7 @@
           <a:p>
             <a:fld id="{135793C7-880A-4E11-8D62-422A761B21C9}" type="datetime1">
               <a:rPr lang="zh-CN" altLang="en-US" smtClean="0"/>
-              <a:t>2017/1/22</a:t>
+              <a:t>2018/12/20</a:t>
             </a:fld>
             <a:endParaRPr lang="zh-CN" altLang="zh-CN"/>
           </a:p>
@@ -2901,7 +2901,7 @@
           <a:p>
             <a:fld id="{9FCFBB9F-FD7F-46C4-A0E1-A0AD04A1BC6A}" type="datetime1">
               <a:rPr lang="zh-CN" altLang="en-US" smtClean="0"/>
-              <a:t>2017/1/22</a:t>
+              <a:t>2018/12/20</a:t>
             </a:fld>
             <a:endParaRPr lang="zh-CN" altLang="zh-CN"/>
           </a:p>
@@ -3178,7 +3178,7 @@
           <a:p>
             <a:fld id="{0373B480-0183-4F9B-8D4E-B01EE656294A}" type="datetime1">
               <a:rPr lang="zh-CN" altLang="en-US" smtClean="0"/>
-              <a:t>2017/1/22</a:t>
+              <a:t>2018/12/20</a:t>
             </a:fld>
             <a:endParaRPr lang="zh-CN" altLang="zh-CN"/>
           </a:p>
@@ -3343,8 +3343,8 @@
         </p:nvSpPr>
         <p:spPr bwMode="auto">
           <a:xfrm>
-            <a:off x="11087100" y="6226175"/>
-            <a:ext cx="1085851" cy="215900"/>
+            <a:off x="10992544" y="6226174"/>
+            <a:ext cx="1180407" cy="220663"/>
           </a:xfrm>
           <a:prstGeom prst="rect">
             <a:avLst/>
@@ -3394,9 +3394,9 @@
             <a:fld id="{63B09E56-5A87-43B7-8623-7CA0CB7872D0}" type="datetime1">
               <a:rPr lang="zh-CN" altLang="en-US" smtClean="0"/>
               <a:pPr/>
-              <a:t>2017/1/22</a:t>
+              <a:t>2018/12/20</a:t>
             </a:fld>
-            <a:endParaRPr lang="zh-CN" altLang="zh-CN"/>
+            <a:endParaRPr lang="zh-CN" altLang="zh-CN" dirty="0"/>
           </a:p>
         </p:txBody>
       </p:sp>
@@ -4596,7 +4596,7 @@
           <a:p>
             <a:fld id="{E10D6361-B8F0-482A-95B7-D825F938BD73}" type="datetime1">
               <a:rPr lang="zh-CN" altLang="en-US" smtClean="0"/>
-              <a:t>2017/1/22</a:t>
+              <a:t>2018/12/20</a:t>
             </a:fld>
             <a:endParaRPr lang="zh-CN" altLang="zh-CN" dirty="0"/>
           </a:p>
@@ -5378,7 +5378,7 @@
           <a:p>
             <a:fld id="{B13507F3-2E52-4A0E-B513-AE67BAF97B42}" type="datetime1">
               <a:rPr lang="zh-CN" altLang="en-US" smtClean="0"/>
-              <a:t>2017/1/22</a:t>
+              <a:t>2018/12/20</a:t>
             </a:fld>
             <a:endParaRPr lang="zh-CN" altLang="zh-CN"/>
           </a:p>
@@ -6772,7 +6772,7 @@
           <a:p>
             <a:fld id="{B13507F3-2E52-4A0E-B513-AE67BAF97B42}" type="datetime1">
               <a:rPr lang="zh-CN" altLang="en-US" smtClean="0"/>
-              <a:t>2017/1/22</a:t>
+              <a:t>2018/12/20</a:t>
             </a:fld>
             <a:endParaRPr lang="zh-CN" altLang="zh-CN"/>
           </a:p>
@@ -7810,7 +7810,7 @@
           <a:p>
             <a:fld id="{B13507F3-2E52-4A0E-B513-AE67BAF97B42}" type="datetime1">
               <a:rPr lang="zh-CN" altLang="en-US" smtClean="0"/>
-              <a:t>2017/1/22</a:t>
+              <a:t>2018/12/20</a:t>
             </a:fld>
             <a:endParaRPr lang="zh-CN" altLang="zh-CN"/>
           </a:p>
@@ -9605,7 +9605,7 @@
           <a:p>
             <a:fld id="{B13507F3-2E52-4A0E-B513-AE67BAF97B42}" type="datetime1">
               <a:rPr lang="zh-CN" altLang="en-US" smtClean="0"/>
-              <a:t>2017/1/22</a:t>
+              <a:t>2018/12/20</a:t>
             </a:fld>
             <a:endParaRPr lang="zh-CN" altLang="zh-CN"/>
           </a:p>
@@ -9674,11 +9674,7 @@
             </a:r>
             <a:r>
               <a:rPr lang="zh-CN" altLang="en-US" dirty="0" smtClean="0"/>
-              <a:t>转化</a:t>
-            </a:r>
-            <a:r>
-              <a:rPr lang="zh-CN" altLang="en-US" dirty="0" smtClean="0"/>
-              <a:t>为单精度浮点数为例：</a:t>
+              <a:t>转化为单精度浮点数为例：</a:t>
             </a:r>
             <a:endParaRPr lang="en-US" altLang="zh-CN" dirty="0" smtClean="0"/>
           </a:p>
@@ -9699,14 +9695,7 @@
                 <a:latin typeface="+mj-lt"/>
                 <a:ea typeface="+mj-ea"/>
               </a:rPr>
-              <a:t>转</a:t>
-            </a:r>
-            <a:r>
-              <a:rPr lang="zh-CN" altLang="en-US" dirty="0" smtClean="0">
-                <a:latin typeface="+mj-lt"/>
-                <a:ea typeface="+mj-ea"/>
-              </a:rPr>
-              <a:t>二进制科学计数法</a:t>
+              <a:t>转二进制科学计数法</a:t>
             </a:r>
             <a:r>
               <a:rPr lang="en-US" altLang="zh-CN" dirty="0" smtClean="0"/>
@@ -10962,11 +10951,7 @@
           <a:p>
             <a:r>
               <a:rPr lang="zh-CN" altLang="en-US" dirty="0" smtClean="0"/>
-              <a:t>写一个</a:t>
-            </a:r>
-            <a:r>
-              <a:rPr lang="zh-CN" altLang="en-US" dirty="0" smtClean="0"/>
-              <a:t>程序</a:t>
+              <a:t>写一个程序</a:t>
             </a:r>
             <a:endParaRPr lang="en-US" altLang="zh-CN" dirty="0"/>
           </a:p>
@@ -11019,7 +11004,7 @@
           <a:p>
             <a:fld id="{B13507F3-2E52-4A0E-B513-AE67BAF97B42}" type="datetime1">
               <a:rPr lang="zh-CN" altLang="en-US" smtClean="0"/>
-              <a:t>2017/1/22</a:t>
+              <a:t>2018/12/20</a:t>
             </a:fld>
             <a:endParaRPr lang="zh-CN" altLang="zh-CN"/>
           </a:p>
@@ -11215,7 +11200,7 @@
           <a:p>
             <a:fld id="{B13507F3-2E52-4A0E-B513-AE67BAF97B42}" type="datetime1">
               <a:rPr lang="zh-CN" altLang="en-US" smtClean="0"/>
-              <a:t>2017/1/22</a:t>
+              <a:t>2018/12/20</a:t>
             </a:fld>
             <a:endParaRPr lang="zh-CN" altLang="zh-CN"/>
           </a:p>
@@ -11485,7 +11470,7 @@
           <a:p>
             <a:fld id="{B13507F3-2E52-4A0E-B513-AE67BAF97B42}" type="datetime1">
               <a:rPr lang="zh-CN" altLang="en-US" smtClean="0"/>
-              <a:t>2017/1/22</a:t>
+              <a:t>2018/12/20</a:t>
             </a:fld>
             <a:endParaRPr lang="zh-CN" altLang="zh-CN"/>
           </a:p>
@@ -12478,7 +12463,7 @@
           <a:p>
             <a:fld id="{B13507F3-2E52-4A0E-B513-AE67BAF97B42}" type="datetime1">
               <a:rPr lang="zh-CN" altLang="en-US" smtClean="0"/>
-              <a:t>2017/1/22</a:t>
+              <a:t>2018/12/20</a:t>
             </a:fld>
             <a:endParaRPr lang="zh-CN" altLang="zh-CN"/>
           </a:p>
@@ -12533,19 +12518,97 @@
                 <a:tableStyleId>{5C22544A-7EE6-4342-B048-85BDC9FD1C3A}</a:tableStyleId>
               </a:tblPr>
               <a:tblGrid>
-                <a:gridCol w="1213468"/>
-                <a:gridCol w="738971"/>
-                <a:gridCol w="738971"/>
-                <a:gridCol w="738971"/>
-                <a:gridCol w="738971"/>
-                <a:gridCol w="738971"/>
-                <a:gridCol w="738971"/>
-                <a:gridCol w="738971"/>
-                <a:gridCol w="738971"/>
-                <a:gridCol w="738971"/>
-                <a:gridCol w="738971"/>
-                <a:gridCol w="738971"/>
-                <a:gridCol w="738971"/>
+                <a:gridCol w="1213468">
+                  <a:extLst>
+                    <a:ext uri="{9D8B030D-6E8A-4147-A177-3AD203B41FA5}">
+                      <a16:colId xmlns:a16="http://schemas.microsoft.com/office/drawing/2014/main" val="20000"/>
+                    </a:ext>
+                  </a:extLst>
+                </a:gridCol>
+                <a:gridCol w="738971">
+                  <a:extLst>
+                    <a:ext uri="{9D8B030D-6E8A-4147-A177-3AD203B41FA5}">
+                      <a16:colId xmlns:a16="http://schemas.microsoft.com/office/drawing/2014/main" val="20001"/>
+                    </a:ext>
+                  </a:extLst>
+                </a:gridCol>
+                <a:gridCol w="738971">
+                  <a:extLst>
+                    <a:ext uri="{9D8B030D-6E8A-4147-A177-3AD203B41FA5}">
+                      <a16:colId xmlns:a16="http://schemas.microsoft.com/office/drawing/2014/main" val="20002"/>
+                    </a:ext>
+                  </a:extLst>
+                </a:gridCol>
+                <a:gridCol w="738971">
+                  <a:extLst>
+                    <a:ext uri="{9D8B030D-6E8A-4147-A177-3AD203B41FA5}">
+                      <a16:colId xmlns:a16="http://schemas.microsoft.com/office/drawing/2014/main" val="20003"/>
+                    </a:ext>
+                  </a:extLst>
+                </a:gridCol>
+                <a:gridCol w="738971">
+                  <a:extLst>
+                    <a:ext uri="{9D8B030D-6E8A-4147-A177-3AD203B41FA5}">
+                      <a16:colId xmlns:a16="http://schemas.microsoft.com/office/drawing/2014/main" val="20004"/>
+                    </a:ext>
+                  </a:extLst>
+                </a:gridCol>
+                <a:gridCol w="738971">
+                  <a:extLst>
+                    <a:ext uri="{9D8B030D-6E8A-4147-A177-3AD203B41FA5}">
+                      <a16:colId xmlns:a16="http://schemas.microsoft.com/office/drawing/2014/main" val="20005"/>
+                    </a:ext>
+                  </a:extLst>
+                </a:gridCol>
+                <a:gridCol w="738971">
+                  <a:extLst>
+                    <a:ext uri="{9D8B030D-6E8A-4147-A177-3AD203B41FA5}">
+                      <a16:colId xmlns:a16="http://schemas.microsoft.com/office/drawing/2014/main" val="20006"/>
+                    </a:ext>
+                  </a:extLst>
+                </a:gridCol>
+                <a:gridCol w="738971">
+                  <a:extLst>
+                    <a:ext uri="{9D8B030D-6E8A-4147-A177-3AD203B41FA5}">
+                      <a16:colId xmlns:a16="http://schemas.microsoft.com/office/drawing/2014/main" val="20007"/>
+                    </a:ext>
+                  </a:extLst>
+                </a:gridCol>
+                <a:gridCol w="738971">
+                  <a:extLst>
+                    <a:ext uri="{9D8B030D-6E8A-4147-A177-3AD203B41FA5}">
+                      <a16:colId xmlns:a16="http://schemas.microsoft.com/office/drawing/2014/main" val="20008"/>
+                    </a:ext>
+                  </a:extLst>
+                </a:gridCol>
+                <a:gridCol w="738971">
+                  <a:extLst>
+                    <a:ext uri="{9D8B030D-6E8A-4147-A177-3AD203B41FA5}">
+                      <a16:colId xmlns:a16="http://schemas.microsoft.com/office/drawing/2014/main" val="20009"/>
+                    </a:ext>
+                  </a:extLst>
+                </a:gridCol>
+                <a:gridCol w="738971">
+                  <a:extLst>
+                    <a:ext uri="{9D8B030D-6E8A-4147-A177-3AD203B41FA5}">
+                      <a16:colId xmlns:a16="http://schemas.microsoft.com/office/drawing/2014/main" val="20010"/>
+                    </a:ext>
+                  </a:extLst>
+                </a:gridCol>
+                <a:gridCol w="738971">
+                  <a:extLst>
+                    <a:ext uri="{9D8B030D-6E8A-4147-A177-3AD203B41FA5}">
+                      <a16:colId xmlns:a16="http://schemas.microsoft.com/office/drawing/2014/main" val="20011"/>
+                    </a:ext>
+                  </a:extLst>
+                </a:gridCol>
+                <a:gridCol w="738971">
+                  <a:extLst>
+                    <a:ext uri="{9D8B030D-6E8A-4147-A177-3AD203B41FA5}">
+                      <a16:colId xmlns:a16="http://schemas.microsoft.com/office/drawing/2014/main" val="20012"/>
+                    </a:ext>
+                  </a:extLst>
+                </a:gridCol>
               </a:tblGrid>
               <a:tr h="370840">
                 <a:tc>
@@ -12743,6 +12806,11 @@
                   </a:txBody>
                   <a:tcPr/>
                 </a:tc>
+                <a:extLst>
+                  <a:ext uri="{0D108BD9-81ED-4DB2-BD59-A6C34878D82A}">
+                    <a16:rowId xmlns:a16="http://schemas.microsoft.com/office/drawing/2014/main" val="10000"/>
+                  </a:ext>
+                </a:extLst>
               </a:tr>
               <a:tr h="370840">
                 <a:tc>
@@ -12940,6 +13008,11 @@
                   </a:txBody>
                   <a:tcPr/>
                 </a:tc>
+                <a:extLst>
+                  <a:ext uri="{0D108BD9-81ED-4DB2-BD59-A6C34878D82A}">
+                    <a16:rowId xmlns:a16="http://schemas.microsoft.com/office/drawing/2014/main" val="10001"/>
+                  </a:ext>
+                </a:extLst>
               </a:tr>
             </a:tbl>
           </a:graphicData>
@@ -14691,7 +14764,7 @@
           <a:p>
             <a:fld id="{B13507F3-2E52-4A0E-B513-AE67BAF97B42}" type="datetime1">
               <a:rPr lang="zh-CN" altLang="en-US" smtClean="0"/>
-              <a:t>2017/1/22</a:t>
+              <a:t>2018/12/20</a:t>
             </a:fld>
             <a:endParaRPr lang="zh-CN" altLang="zh-CN"/>
           </a:p>
@@ -16039,7 +16112,7 @@
           <a:p>
             <a:fld id="{B13507F3-2E52-4A0E-B513-AE67BAF97B42}" type="datetime1">
               <a:rPr lang="zh-CN" altLang="en-US" smtClean="0"/>
-              <a:t>2017/1/22</a:t>
+              <a:t>2018/12/20</a:t>
             </a:fld>
             <a:endParaRPr lang="zh-CN" altLang="zh-CN"/>
           </a:p>
@@ -16094,11 +16167,41 @@
                 <a:tableStyleId>{5C22544A-7EE6-4342-B048-85BDC9FD1C3A}</a:tableStyleId>
               </a:tblPr>
               <a:tblGrid>
-                <a:gridCol w="1211580"/>
-                <a:gridCol w="1319530"/>
-                <a:gridCol w="706755"/>
-                <a:gridCol w="1846580"/>
-                <a:gridCol w="2183130"/>
+                <a:gridCol w="1211580">
+                  <a:extLst>
+                    <a:ext uri="{9D8B030D-6E8A-4147-A177-3AD203B41FA5}">
+                      <a16:colId xmlns:a16="http://schemas.microsoft.com/office/drawing/2014/main" val="20000"/>
+                    </a:ext>
+                  </a:extLst>
+                </a:gridCol>
+                <a:gridCol w="1319530">
+                  <a:extLst>
+                    <a:ext uri="{9D8B030D-6E8A-4147-A177-3AD203B41FA5}">
+                      <a16:colId xmlns:a16="http://schemas.microsoft.com/office/drawing/2014/main" val="20001"/>
+                    </a:ext>
+                  </a:extLst>
+                </a:gridCol>
+                <a:gridCol w="706755">
+                  <a:extLst>
+                    <a:ext uri="{9D8B030D-6E8A-4147-A177-3AD203B41FA5}">
+                      <a16:colId xmlns:a16="http://schemas.microsoft.com/office/drawing/2014/main" val="20002"/>
+                    </a:ext>
+                  </a:extLst>
+                </a:gridCol>
+                <a:gridCol w="1846580">
+                  <a:extLst>
+                    <a:ext uri="{9D8B030D-6E8A-4147-A177-3AD203B41FA5}">
+                      <a16:colId xmlns:a16="http://schemas.microsoft.com/office/drawing/2014/main" val="20003"/>
+                    </a:ext>
+                  </a:extLst>
+                </a:gridCol>
+                <a:gridCol w="2183130">
+                  <a:extLst>
+                    <a:ext uri="{9D8B030D-6E8A-4147-A177-3AD203B41FA5}">
+                      <a16:colId xmlns:a16="http://schemas.microsoft.com/office/drawing/2014/main" val="20004"/>
+                    </a:ext>
+                  </a:extLst>
+                </a:gridCol>
               </a:tblGrid>
               <a:tr h="370840">
                 <a:tc>
@@ -16187,6 +16290,11 @@
                   </a:txBody>
                   <a:tcPr/>
                 </a:tc>
+                <a:extLst>
+                  <a:ext uri="{0D108BD9-81ED-4DB2-BD59-A6C34878D82A}">
+                    <a16:rowId xmlns:a16="http://schemas.microsoft.com/office/drawing/2014/main" val="10000"/>
+                  </a:ext>
+                </a:extLst>
               </a:tr>
               <a:tr h="370840">
                 <a:tc>
@@ -16259,6 +16367,11 @@
                   </a:txBody>
                   <a:tcPr/>
                 </a:tc>
+                <a:extLst>
+                  <a:ext uri="{0D108BD9-81ED-4DB2-BD59-A6C34878D82A}">
+                    <a16:rowId xmlns:a16="http://schemas.microsoft.com/office/drawing/2014/main" val="10001"/>
+                  </a:ext>
+                </a:extLst>
               </a:tr>
               <a:tr h="370840">
                 <a:tc>
@@ -16343,6 +16456,11 @@
                   </a:txBody>
                   <a:tcPr/>
                 </a:tc>
+                <a:extLst>
+                  <a:ext uri="{0D108BD9-81ED-4DB2-BD59-A6C34878D82A}">
+                    <a16:rowId xmlns:a16="http://schemas.microsoft.com/office/drawing/2014/main" val="10002"/>
+                  </a:ext>
+                </a:extLst>
               </a:tr>
               <a:tr h="370840">
                 <a:tc>
@@ -16437,6 +16555,11 @@
                   </a:txBody>
                   <a:tcPr/>
                 </a:tc>
+                <a:extLst>
+                  <a:ext uri="{0D108BD9-81ED-4DB2-BD59-A6C34878D82A}">
+                    <a16:rowId xmlns:a16="http://schemas.microsoft.com/office/drawing/2014/main" val="10003"/>
+                  </a:ext>
+                </a:extLst>
               </a:tr>
               <a:tr h="370840">
                 <a:tc>
@@ -16517,6 +16640,11 @@
                   </a:txBody>
                   <a:tcPr/>
                 </a:tc>
+                <a:extLst>
+                  <a:ext uri="{0D108BD9-81ED-4DB2-BD59-A6C34878D82A}">
+                    <a16:rowId xmlns:a16="http://schemas.microsoft.com/office/drawing/2014/main" val="10004"/>
+                  </a:ext>
+                </a:extLst>
               </a:tr>
               <a:tr h="370840">
                 <a:tc>
@@ -16589,6 +16717,11 @@
                   </a:txBody>
                   <a:tcPr/>
                 </a:tc>
+                <a:extLst>
+                  <a:ext uri="{0D108BD9-81ED-4DB2-BD59-A6C34878D82A}">
+                    <a16:rowId xmlns:a16="http://schemas.microsoft.com/office/drawing/2014/main" val="10005"/>
+                  </a:ext>
+                </a:extLst>
               </a:tr>
               <a:tr h="370840">
                 <a:tc>
@@ -16661,6 +16794,11 @@
                   </a:txBody>
                   <a:tcPr/>
                 </a:tc>
+                <a:extLst>
+                  <a:ext uri="{0D108BD9-81ED-4DB2-BD59-A6C34878D82A}">
+                    <a16:rowId xmlns:a16="http://schemas.microsoft.com/office/drawing/2014/main" val="10006"/>
+                  </a:ext>
+                </a:extLst>
               </a:tr>
             </a:tbl>
           </a:graphicData>
@@ -17589,7 +17727,7 @@
           <a:p>
             <a:fld id="{B13507F3-2E52-4A0E-B513-AE67BAF97B42}" type="datetime1">
               <a:rPr lang="zh-CN" altLang="en-US" smtClean="0"/>
-              <a:t>2017/1/22</a:t>
+              <a:t>2018/12/20</a:t>
             </a:fld>
             <a:endParaRPr lang="zh-CN" altLang="zh-CN"/>
           </a:p>
@@ -17776,7 +17914,7 @@
           <a:p>
             <a:fld id="{B13507F3-2E52-4A0E-B513-AE67BAF97B42}" type="datetime1">
               <a:rPr lang="zh-CN" altLang="en-US" smtClean="0"/>
-              <a:t>2017/1/22</a:t>
+              <a:t>2018/12/20</a:t>
             </a:fld>
             <a:endParaRPr lang="zh-CN" altLang="zh-CN"/>
           </a:p>
@@ -18249,7 +18387,7 @@
           <a:p>
             <a:fld id="{B13507F3-2E52-4A0E-B513-AE67BAF97B42}" type="datetime1">
               <a:rPr lang="zh-CN" altLang="en-US" smtClean="0"/>
-              <a:t>2017/1/22</a:t>
+              <a:t>2018/12/20</a:t>
             </a:fld>
             <a:endParaRPr lang="zh-CN" altLang="zh-CN"/>
           </a:p>
@@ -19725,7 +19863,7 @@
               <a:rPr lang="zh-CN" altLang="en-US" smtClean="0">
                 <a:cs typeface="Consolas" panose="020B0609020204030204" pitchFamily="49" charset="0"/>
               </a:rPr>
-              <a:t>2017/1/22</a:t>
+              <a:t>2018/12/20</a:t>
             </a:fld>
             <a:endParaRPr lang="zh-CN" altLang="zh-CN" dirty="0">
               <a:cs typeface="Consolas" panose="020B0609020204030204" pitchFamily="49" charset="0"/>
@@ -19788,10 +19926,34 @@
                 <a:tableStyleId>{5C22544A-7EE6-4342-B048-85BDC9FD1C3A}</a:tableStyleId>
               </a:tblPr>
               <a:tblGrid>
-                <a:gridCol w="1687830"/>
-                <a:gridCol w="1060768"/>
-                <a:gridCol w="2314893"/>
-                <a:gridCol w="2314893"/>
+                <a:gridCol w="1687830">
+                  <a:extLst>
+                    <a:ext uri="{9D8B030D-6E8A-4147-A177-3AD203B41FA5}">
+                      <a16:colId xmlns:a16="http://schemas.microsoft.com/office/drawing/2014/main" val="20000"/>
+                    </a:ext>
+                  </a:extLst>
+                </a:gridCol>
+                <a:gridCol w="1060768">
+                  <a:extLst>
+                    <a:ext uri="{9D8B030D-6E8A-4147-A177-3AD203B41FA5}">
+                      <a16:colId xmlns:a16="http://schemas.microsoft.com/office/drawing/2014/main" val="20001"/>
+                    </a:ext>
+                  </a:extLst>
+                </a:gridCol>
+                <a:gridCol w="2314893">
+                  <a:extLst>
+                    <a:ext uri="{9D8B030D-6E8A-4147-A177-3AD203B41FA5}">
+                      <a16:colId xmlns:a16="http://schemas.microsoft.com/office/drawing/2014/main" val="20002"/>
+                    </a:ext>
+                  </a:extLst>
+                </a:gridCol>
+                <a:gridCol w="2314893">
+                  <a:extLst>
+                    <a:ext uri="{9D8B030D-6E8A-4147-A177-3AD203B41FA5}">
+                      <a16:colId xmlns:a16="http://schemas.microsoft.com/office/drawing/2014/main" val="20003"/>
+                    </a:ext>
+                  </a:extLst>
+                </a:gridCol>
               </a:tblGrid>
               <a:tr h="370840">
                 <a:tc>
@@ -19874,6 +20036,11 @@
                   </a:txBody>
                   <a:tcPr/>
                 </a:tc>
+                <a:extLst>
+                  <a:ext uri="{0D108BD9-81ED-4DB2-BD59-A6C34878D82A}">
+                    <a16:rowId xmlns:a16="http://schemas.microsoft.com/office/drawing/2014/main" val="10000"/>
+                  </a:ext>
+                </a:extLst>
               </a:tr>
               <a:tr h="370840">
                 <a:tc>
@@ -19990,6 +20157,11 @@
                   </a:txBody>
                   <a:tcPr/>
                 </a:tc>
+                <a:extLst>
+                  <a:ext uri="{0D108BD9-81ED-4DB2-BD59-A6C34878D82A}">
+                    <a16:rowId xmlns:a16="http://schemas.microsoft.com/office/drawing/2014/main" val="10001"/>
+                  </a:ext>
+                </a:extLst>
               </a:tr>
               <a:tr h="370840">
                 <a:tc>
@@ -20106,6 +20278,11 @@
                   </a:txBody>
                   <a:tcPr/>
                 </a:tc>
+                <a:extLst>
+                  <a:ext uri="{0D108BD9-81ED-4DB2-BD59-A6C34878D82A}">
+                    <a16:rowId xmlns:a16="http://schemas.microsoft.com/office/drawing/2014/main" val="10002"/>
+                  </a:ext>
+                </a:extLst>
               </a:tr>
               <a:tr h="370840">
                 <a:tc>
@@ -20256,6 +20433,11 @@
                   </a:txBody>
                   <a:tcPr/>
                 </a:tc>
+                <a:extLst>
+                  <a:ext uri="{0D108BD9-81ED-4DB2-BD59-A6C34878D82A}">
+                    <a16:rowId xmlns:a16="http://schemas.microsoft.com/office/drawing/2014/main" val="10003"/>
+                  </a:ext>
+                </a:extLst>
               </a:tr>
               <a:tr h="370840">
                 <a:tc>
@@ -20338,6 +20520,11 @@
                   </a:txBody>
                   <a:tcPr/>
                 </a:tc>
+                <a:extLst>
+                  <a:ext uri="{0D108BD9-81ED-4DB2-BD59-A6C34878D82A}">
+                    <a16:rowId xmlns:a16="http://schemas.microsoft.com/office/drawing/2014/main" val="10004"/>
+                  </a:ext>
+                </a:extLst>
               </a:tr>
               <a:tr h="128056">
                 <a:tc>
@@ -20488,6 +20675,11 @@
                   </a:txBody>
                   <a:tcPr/>
                 </a:tc>
+                <a:extLst>
+                  <a:ext uri="{0D108BD9-81ED-4DB2-BD59-A6C34878D82A}">
+                    <a16:rowId xmlns:a16="http://schemas.microsoft.com/office/drawing/2014/main" val="10005"/>
+                  </a:ext>
+                </a:extLst>
               </a:tr>
               <a:tr h="370840">
                 <a:tc>
@@ -20638,6 +20830,11 @@
                   </a:txBody>
                   <a:tcPr/>
                 </a:tc>
+                <a:extLst>
+                  <a:ext uri="{0D108BD9-81ED-4DB2-BD59-A6C34878D82A}">
+                    <a16:rowId xmlns:a16="http://schemas.microsoft.com/office/drawing/2014/main" val="10006"/>
+                  </a:ext>
+                </a:extLst>
               </a:tr>
             </a:tbl>
           </a:graphicData>
